--- a/assets/images/Planets.pptx
+++ b/assets/images/Planets.pptx
@@ -107,6 +107,11 @@
       </a:defRPr>
     </a:lvl9pPr>
   </p:defaultTextStyle>
+  <p:extLst>
+    <p:ext uri="{EFAFB233-063F-42B5-8137-9DF3F51BA10A}">
+      <p15:sldGuideLst xmlns:p15="http://schemas.microsoft.com/office/powerpoint/2012/main"/>
+    </p:ext>
+  </p:extLst>
 </p:presentation>
 </file>
 
@@ -257,7 +262,7 @@
           <a:p>
             <a:fld id="{AB6BE22D-60F6-E94A-A25F-627415ACD7D4}" type="datetimeFigureOut">
               <a:rPr lang="en-US" smtClean="0"/>
-              <a:t>10/22/19</a:t>
+              <a:t>10/26/19</a:t>
             </a:fld>
             <a:endParaRPr lang="en-US"/>
           </a:p>
@@ -455,7 +460,7 @@
           <a:p>
             <a:fld id="{AB6BE22D-60F6-E94A-A25F-627415ACD7D4}" type="datetimeFigureOut">
               <a:rPr lang="en-US" smtClean="0"/>
-              <a:t>10/22/19</a:t>
+              <a:t>10/26/19</a:t>
             </a:fld>
             <a:endParaRPr lang="en-US"/>
           </a:p>
@@ -663,7 +668,7 @@
           <a:p>
             <a:fld id="{AB6BE22D-60F6-E94A-A25F-627415ACD7D4}" type="datetimeFigureOut">
               <a:rPr lang="en-US" smtClean="0"/>
-              <a:t>10/22/19</a:t>
+              <a:t>10/26/19</a:t>
             </a:fld>
             <a:endParaRPr lang="en-US"/>
           </a:p>
@@ -861,7 +866,7 @@
           <a:p>
             <a:fld id="{AB6BE22D-60F6-E94A-A25F-627415ACD7D4}" type="datetimeFigureOut">
               <a:rPr lang="en-US" smtClean="0"/>
-              <a:t>10/22/19</a:t>
+              <a:t>10/26/19</a:t>
             </a:fld>
             <a:endParaRPr lang="en-US"/>
           </a:p>
@@ -1136,7 +1141,7 @@
           <a:p>
             <a:fld id="{AB6BE22D-60F6-E94A-A25F-627415ACD7D4}" type="datetimeFigureOut">
               <a:rPr lang="en-US" smtClean="0"/>
-              <a:t>10/22/19</a:t>
+              <a:t>10/26/19</a:t>
             </a:fld>
             <a:endParaRPr lang="en-US"/>
           </a:p>
@@ -1401,7 +1406,7 @@
           <a:p>
             <a:fld id="{AB6BE22D-60F6-E94A-A25F-627415ACD7D4}" type="datetimeFigureOut">
               <a:rPr lang="en-US" smtClean="0"/>
-              <a:t>10/22/19</a:t>
+              <a:t>10/26/19</a:t>
             </a:fld>
             <a:endParaRPr lang="en-US"/>
           </a:p>
@@ -1813,7 +1818,7 @@
           <a:p>
             <a:fld id="{AB6BE22D-60F6-E94A-A25F-627415ACD7D4}" type="datetimeFigureOut">
               <a:rPr lang="en-US" smtClean="0"/>
-              <a:t>10/22/19</a:t>
+              <a:t>10/26/19</a:t>
             </a:fld>
             <a:endParaRPr lang="en-US"/>
           </a:p>
@@ -1954,7 +1959,7 @@
           <a:p>
             <a:fld id="{AB6BE22D-60F6-E94A-A25F-627415ACD7D4}" type="datetimeFigureOut">
               <a:rPr lang="en-US" smtClean="0"/>
-              <a:t>10/22/19</a:t>
+              <a:t>10/26/19</a:t>
             </a:fld>
             <a:endParaRPr lang="en-US"/>
           </a:p>
@@ -2067,7 +2072,7 @@
           <a:p>
             <a:fld id="{AB6BE22D-60F6-E94A-A25F-627415ACD7D4}" type="datetimeFigureOut">
               <a:rPr lang="en-US" smtClean="0"/>
-              <a:t>10/22/19</a:t>
+              <a:t>10/26/19</a:t>
             </a:fld>
             <a:endParaRPr lang="en-US"/>
           </a:p>
@@ -2378,7 +2383,7 @@
           <a:p>
             <a:fld id="{AB6BE22D-60F6-E94A-A25F-627415ACD7D4}" type="datetimeFigureOut">
               <a:rPr lang="en-US" smtClean="0"/>
-              <a:t>10/22/19</a:t>
+              <a:t>10/26/19</a:t>
             </a:fld>
             <a:endParaRPr lang="en-US"/>
           </a:p>
@@ -2666,7 +2671,7 @@
           <a:p>
             <a:fld id="{AB6BE22D-60F6-E94A-A25F-627415ACD7D4}" type="datetimeFigureOut">
               <a:rPr lang="en-US" smtClean="0"/>
-              <a:t>10/22/19</a:t>
+              <a:t>10/26/19</a:t>
             </a:fld>
             <a:endParaRPr lang="en-US"/>
           </a:p>
@@ -2907,7 +2912,7 @@
           <a:p>
             <a:fld id="{AB6BE22D-60F6-E94A-A25F-627415ACD7D4}" type="datetimeFigureOut">
               <a:rPr lang="en-US" smtClean="0"/>
-              <a:t>10/22/19</a:t>
+              <a:t>10/26/19</a:t>
             </a:fld>
             <a:endParaRPr lang="en-US"/>
           </a:p>
@@ -3334,10 +3339,10 @@
       </p:grpSpPr>
       <p:sp>
         <p:nvSpPr>
-          <p:cNvPr id="10" name="Rectangle 9">
-            <a:extLst>
-              <a:ext uri="{FF2B5EF4-FFF2-40B4-BE49-F238E27FC236}">
-                <a16:creationId xmlns:a16="http://schemas.microsoft.com/office/drawing/2014/main" id="{57845966-6EFC-468A-9CC7-BAB4B95854E7}"/>
+          <p:cNvPr id="19" name="Freeform: Shape 18">
+            <a:extLst>
+              <a:ext uri="{FF2B5EF4-FFF2-40B4-BE49-F238E27FC236}">
+                <a16:creationId xmlns:a16="http://schemas.microsoft.com/office/drawing/2014/main" id="{B670DBD5-770C-4383-9F54-5B86E86BD5BB}"/>
               </a:ext>
               <a:ext uri="{C183D7F6-B498-43B3-948B-1728B52AA6E4}">
                 <adec:decorative xmlns:adec="http://schemas.microsoft.com/office/drawing/2017/decorative" val="1"/>
@@ -3357,14 +3362,116 @@
         </p:nvSpPr>
         <p:spPr>
           <a:xfrm>
-            <a:off x="1354372" y="0"/>
-            <a:ext cx="9483256" cy="6858000"/>
+            <a:off x="1210277" y="0"/>
+            <a:ext cx="9771446" cy="6858000"/>
           </a:xfrm>
-          <a:prstGeom prst="rect">
+          <a:custGeom>
             <a:avLst/>
-          </a:prstGeom>
+            <a:gdLst>
+              <a:gd name="connsiteX0" fmla="*/ 1422188 w 9771446"/>
+              <a:gd name="connsiteY0" fmla="*/ 0 h 6858000"/>
+              <a:gd name="connsiteX1" fmla="*/ 8349258 w 9771446"/>
+              <a:gd name="connsiteY1" fmla="*/ 0 h 6858000"/>
+              <a:gd name="connsiteX2" fmla="*/ 8502224 w 9771446"/>
+              <a:gd name="connsiteY2" fmla="*/ 159673 h 6858000"/>
+              <a:gd name="connsiteX3" fmla="*/ 9771446 w 9771446"/>
+              <a:gd name="connsiteY3" fmla="*/ 3429001 h 6858000"/>
+              <a:gd name="connsiteX4" fmla="*/ 8502224 w 9771446"/>
+              <a:gd name="connsiteY4" fmla="*/ 6698330 h 6858000"/>
+              <a:gd name="connsiteX5" fmla="*/ 8349260 w 9771446"/>
+              <a:gd name="connsiteY5" fmla="*/ 6858000 h 6858000"/>
+              <a:gd name="connsiteX6" fmla="*/ 1422186 w 9771446"/>
+              <a:gd name="connsiteY6" fmla="*/ 6858000 h 6858000"/>
+              <a:gd name="connsiteX7" fmla="*/ 1269223 w 9771446"/>
+              <a:gd name="connsiteY7" fmla="*/ 6698330 h 6858000"/>
+              <a:gd name="connsiteX8" fmla="*/ 0 w 9771446"/>
+              <a:gd name="connsiteY8" fmla="*/ 3429001 h 6858000"/>
+              <a:gd name="connsiteX9" fmla="*/ 1269223 w 9771446"/>
+              <a:gd name="connsiteY9" fmla="*/ 159673 h 6858000"/>
+            </a:gdLst>
+            <a:ahLst/>
+            <a:cxnLst>
+              <a:cxn ang="0">
+                <a:pos x="connsiteX0" y="connsiteY0"/>
+              </a:cxn>
+              <a:cxn ang="0">
+                <a:pos x="connsiteX1" y="connsiteY1"/>
+              </a:cxn>
+              <a:cxn ang="0">
+                <a:pos x="connsiteX2" y="connsiteY2"/>
+              </a:cxn>
+              <a:cxn ang="0">
+                <a:pos x="connsiteX3" y="connsiteY3"/>
+              </a:cxn>
+              <a:cxn ang="0">
+                <a:pos x="connsiteX4" y="connsiteY4"/>
+              </a:cxn>
+              <a:cxn ang="0">
+                <a:pos x="connsiteX5" y="connsiteY5"/>
+              </a:cxn>
+              <a:cxn ang="0">
+                <a:pos x="connsiteX6" y="connsiteY6"/>
+              </a:cxn>
+              <a:cxn ang="0">
+                <a:pos x="connsiteX7" y="connsiteY7"/>
+              </a:cxn>
+              <a:cxn ang="0">
+                <a:pos x="connsiteX8" y="connsiteY8"/>
+              </a:cxn>
+              <a:cxn ang="0">
+                <a:pos x="connsiteX9" y="connsiteY9"/>
+              </a:cxn>
+            </a:cxnLst>
+            <a:rect l="l" t="t" r="r" b="b"/>
+            <a:pathLst>
+              <a:path w="9771446" h="6858000">
+                <a:moveTo>
+                  <a:pt x="1422188" y="0"/>
+                </a:moveTo>
+                <a:lnTo>
+                  <a:pt x="8349258" y="0"/>
+                </a:lnTo>
+                <a:lnTo>
+                  <a:pt x="8502224" y="159673"/>
+                </a:lnTo>
+                <a:cubicBezTo>
+                  <a:pt x="9290813" y="1023162"/>
+                  <a:pt x="9771446" y="2170221"/>
+                  <a:pt x="9771446" y="3429001"/>
+                </a:cubicBezTo>
+                <a:cubicBezTo>
+                  <a:pt x="9771446" y="4687781"/>
+                  <a:pt x="9290813" y="5834840"/>
+                  <a:pt x="8502224" y="6698330"/>
+                </a:cubicBezTo>
+                <a:lnTo>
+                  <a:pt x="8349260" y="6858000"/>
+                </a:lnTo>
+                <a:lnTo>
+                  <a:pt x="1422186" y="6858000"/>
+                </a:lnTo>
+                <a:lnTo>
+                  <a:pt x="1269223" y="6698330"/>
+                </a:lnTo>
+                <a:cubicBezTo>
+                  <a:pt x="480633" y="5834840"/>
+                  <a:pt x="0" y="4687781"/>
+                  <a:pt x="0" y="3429001"/>
+                </a:cubicBezTo>
+                <a:cubicBezTo>
+                  <a:pt x="0" y="2170221"/>
+                  <a:pt x="480633" y="1023162"/>
+                  <a:pt x="1269223" y="159673"/>
+                </a:cubicBezTo>
+                <a:close/>
+              </a:path>
+            </a:pathLst>
+          </a:custGeom>
           <a:solidFill>
-            <a:srgbClr val="934835"/>
+            <a:schemeClr val="bg1">
+              <a:lumMod val="85000"/>
+              <a:alpha val="62000"/>
+            </a:schemeClr>
           </a:solidFill>
           <a:ln>
             <a:noFill/>
@@ -3387,7 +3494,9 @@
           </a:fontRef>
         </p:style>
         <p:txBody>
-          <a:bodyPr rtlCol="0" anchor="ctr"/>
+          <a:bodyPr wrap="square" rtlCol="0" anchor="ctr">
+            <a:noAutofit/>
+          </a:bodyPr>
           <a:lstStyle/>
           <a:p>
             <a:pPr algn="ctr"/>
@@ -3397,7 +3506,569 @@
       </p:sp>
       <p:pic>
         <p:nvPicPr>
-          <p:cNvPr id="12" name="Picture 11">
+          <p:cNvPr id="5" name="Picture 4">
+            <a:extLst>
+              <a:ext uri="{FF2B5EF4-FFF2-40B4-BE49-F238E27FC236}">
+                <a16:creationId xmlns:a16="http://schemas.microsoft.com/office/drawing/2014/main" id="{CE80C204-AD3C-1E45-BB89-A3AA1F09F2FD}"/>
+              </a:ext>
+            </a:extLst>
+          </p:cNvPr>
+          <p:cNvPicPr>
+            <a:picLocks noChangeAspect="1"/>
+          </p:cNvPicPr>
+          <p:nvPr/>
+        </p:nvPicPr>
+        <p:blipFill rotWithShape="1">
+          <a:blip r:embed="rId2"/>
+          <a:srcRect t="4046" b="4909"/>
+          <a:stretch/>
+        </p:blipFill>
+        <p:spPr>
+          <a:xfrm>
+            <a:off x="1460597" y="10"/>
+            <a:ext cx="9270806" cy="6857990"/>
+          </a:xfrm>
+          <a:custGeom>
+            <a:avLst/>
+            <a:gdLst>
+              <a:gd name="connsiteX0" fmla="*/ 1503712 w 9270806"/>
+              <a:gd name="connsiteY0" fmla="*/ 0 h 6858000"/>
+              <a:gd name="connsiteX1" fmla="*/ 7767094 w 9270806"/>
+              <a:gd name="connsiteY1" fmla="*/ 0 h 6858000"/>
+              <a:gd name="connsiteX2" fmla="*/ 7913128 w 9270806"/>
+              <a:gd name="connsiteY2" fmla="*/ 139721 h 6858000"/>
+              <a:gd name="connsiteX3" fmla="*/ 9270806 w 9270806"/>
+              <a:gd name="connsiteY3" fmla="*/ 3429000 h 6858000"/>
+              <a:gd name="connsiteX4" fmla="*/ 7913128 w 9270806"/>
+              <a:gd name="connsiteY4" fmla="*/ 6718279 h 6858000"/>
+              <a:gd name="connsiteX5" fmla="*/ 7767094 w 9270806"/>
+              <a:gd name="connsiteY5" fmla="*/ 6858000 h 6858000"/>
+              <a:gd name="connsiteX6" fmla="*/ 1503712 w 9270806"/>
+              <a:gd name="connsiteY6" fmla="*/ 6858000 h 6858000"/>
+              <a:gd name="connsiteX7" fmla="*/ 1357679 w 9270806"/>
+              <a:gd name="connsiteY7" fmla="*/ 6718279 h 6858000"/>
+              <a:gd name="connsiteX8" fmla="*/ 0 w 9270806"/>
+              <a:gd name="connsiteY8" fmla="*/ 3429000 h 6858000"/>
+              <a:gd name="connsiteX9" fmla="*/ 1357679 w 9270806"/>
+              <a:gd name="connsiteY9" fmla="*/ 139721 h 6858000"/>
+            </a:gdLst>
+            <a:ahLst/>
+            <a:cxnLst>
+              <a:cxn ang="0">
+                <a:pos x="connsiteX0" y="connsiteY0"/>
+              </a:cxn>
+              <a:cxn ang="0">
+                <a:pos x="connsiteX1" y="connsiteY1"/>
+              </a:cxn>
+              <a:cxn ang="0">
+                <a:pos x="connsiteX2" y="connsiteY2"/>
+              </a:cxn>
+              <a:cxn ang="0">
+                <a:pos x="connsiteX3" y="connsiteY3"/>
+              </a:cxn>
+              <a:cxn ang="0">
+                <a:pos x="connsiteX4" y="connsiteY4"/>
+              </a:cxn>
+              <a:cxn ang="0">
+                <a:pos x="connsiteX5" y="connsiteY5"/>
+              </a:cxn>
+              <a:cxn ang="0">
+                <a:pos x="connsiteX6" y="connsiteY6"/>
+              </a:cxn>
+              <a:cxn ang="0">
+                <a:pos x="connsiteX7" y="connsiteY7"/>
+              </a:cxn>
+              <a:cxn ang="0">
+                <a:pos x="connsiteX8" y="connsiteY8"/>
+              </a:cxn>
+              <a:cxn ang="0">
+                <a:pos x="connsiteX9" y="connsiteY9"/>
+              </a:cxn>
+            </a:cxnLst>
+            <a:rect l="l" t="t" r="r" b="b"/>
+            <a:pathLst>
+              <a:path w="9270806" h="6858000">
+                <a:moveTo>
+                  <a:pt x="1503712" y="0"/>
+                </a:moveTo>
+                <a:lnTo>
+                  <a:pt x="7767094" y="0"/>
+                </a:lnTo>
+                <a:lnTo>
+                  <a:pt x="7913128" y="139721"/>
+                </a:lnTo>
+                <a:cubicBezTo>
+                  <a:pt x="8751971" y="981521"/>
+                  <a:pt x="9270806" y="2144457"/>
+                  <a:pt x="9270806" y="3429000"/>
+                </a:cubicBezTo>
+                <a:cubicBezTo>
+                  <a:pt x="9270806" y="4713544"/>
+                  <a:pt x="8751971" y="5876479"/>
+                  <a:pt x="7913128" y="6718279"/>
+                </a:cubicBezTo>
+                <a:lnTo>
+                  <a:pt x="7767094" y="6858000"/>
+                </a:lnTo>
+                <a:lnTo>
+                  <a:pt x="1503712" y="6858000"/>
+                </a:lnTo>
+                <a:lnTo>
+                  <a:pt x="1357679" y="6718279"/>
+                </a:lnTo>
+                <a:cubicBezTo>
+                  <a:pt x="518835" y="5876479"/>
+                  <a:pt x="0" y="4713544"/>
+                  <a:pt x="0" y="3429000"/>
+                </a:cubicBezTo>
+                <a:cubicBezTo>
+                  <a:pt x="0" y="2144457"/>
+                  <a:pt x="518835" y="981521"/>
+                  <a:pt x="1357679" y="139721"/>
+                </a:cubicBezTo>
+                <a:close/>
+              </a:path>
+            </a:pathLst>
+          </a:custGeom>
+        </p:spPr>
+      </p:pic>
+    </p:spTree>
+    <p:extLst>
+      <p:ext uri="{BB962C8B-B14F-4D97-AF65-F5344CB8AC3E}">
+        <p14:creationId xmlns:p14="http://schemas.microsoft.com/office/powerpoint/2010/main" val="4111987117"/>
+      </p:ext>
+    </p:extLst>
+  </p:cSld>
+  <p:clrMapOvr>
+    <a:masterClrMapping/>
+  </p:clrMapOvr>
+</p:sld>
+</file>
+
+<file path=ppt/slides/slide2.xml><?xml version="1.0" encoding="utf-8"?>
+<p:sld xmlns:a="http://schemas.openxmlformats.org/drawingml/2006/main" xmlns:r="http://schemas.openxmlformats.org/officeDocument/2006/relationships" xmlns:p="http://schemas.openxmlformats.org/presentationml/2006/main">
+  <p:cSld>
+    <p:bg>
+      <p:bgPr>
+        <a:solidFill>
+          <a:schemeClr val="bg1"/>
+        </a:solidFill>
+        <a:effectLst/>
+      </p:bgPr>
+    </p:bg>
+    <p:spTree>
+      <p:nvGrpSpPr>
+        <p:cNvPr id="1" name=""/>
+        <p:cNvGrpSpPr/>
+        <p:nvPr/>
+      </p:nvGrpSpPr>
+      <p:grpSpPr>
+        <a:xfrm>
+          <a:off x="0" y="0"/>
+          <a:ext cx="0" cy="0"/>
+          <a:chOff x="0" y="0"/>
+          <a:chExt cx="0" cy="0"/>
+        </a:xfrm>
+      </p:grpSpPr>
+      <p:sp>
+        <p:nvSpPr>
+          <p:cNvPr id="28" name="Freeform: Shape 27">
+            <a:extLst>
+              <a:ext uri="{FF2B5EF4-FFF2-40B4-BE49-F238E27FC236}">
+                <a16:creationId xmlns:a16="http://schemas.microsoft.com/office/drawing/2014/main" id="{B670DBD5-770C-4383-9F54-5B86E86BD5BB}"/>
+              </a:ext>
+              <a:ext uri="{C183D7F6-B498-43B3-948B-1728B52AA6E4}">
+                <adec:decorative xmlns:adec="http://schemas.microsoft.com/office/drawing/2017/decorative" val="1"/>
+              </a:ext>
+            </a:extLst>
+          </p:cNvPr>
+          <p:cNvSpPr>
+            <a:spLocks noGrp="1" noRot="1" noChangeAspect="1" noMove="1" noResize="1" noEditPoints="1" noAdjustHandles="1" noChangeArrowheads="1" noChangeShapeType="1" noTextEdit="1"/>
+          </p:cNvSpPr>
+          <p:nvPr>
+            <p:extLst>
+              <p:ext uri="{386F3935-93C4-4BCD-93E2-E3B085C9AB24}">
+                <p16:designElem xmlns:p16="http://schemas.microsoft.com/office/powerpoint/2015/main" val="1"/>
+              </p:ext>
+            </p:extLst>
+          </p:nvPr>
+        </p:nvSpPr>
+        <p:spPr>
+          <a:xfrm>
+            <a:off x="1210277" y="0"/>
+            <a:ext cx="9771446" cy="6858000"/>
+          </a:xfrm>
+          <a:custGeom>
+            <a:avLst/>
+            <a:gdLst>
+              <a:gd name="connsiteX0" fmla="*/ 1422188 w 9771446"/>
+              <a:gd name="connsiteY0" fmla="*/ 0 h 6858000"/>
+              <a:gd name="connsiteX1" fmla="*/ 8349258 w 9771446"/>
+              <a:gd name="connsiteY1" fmla="*/ 0 h 6858000"/>
+              <a:gd name="connsiteX2" fmla="*/ 8502224 w 9771446"/>
+              <a:gd name="connsiteY2" fmla="*/ 159673 h 6858000"/>
+              <a:gd name="connsiteX3" fmla="*/ 9771446 w 9771446"/>
+              <a:gd name="connsiteY3" fmla="*/ 3429001 h 6858000"/>
+              <a:gd name="connsiteX4" fmla="*/ 8502224 w 9771446"/>
+              <a:gd name="connsiteY4" fmla="*/ 6698330 h 6858000"/>
+              <a:gd name="connsiteX5" fmla="*/ 8349260 w 9771446"/>
+              <a:gd name="connsiteY5" fmla="*/ 6858000 h 6858000"/>
+              <a:gd name="connsiteX6" fmla="*/ 1422186 w 9771446"/>
+              <a:gd name="connsiteY6" fmla="*/ 6858000 h 6858000"/>
+              <a:gd name="connsiteX7" fmla="*/ 1269223 w 9771446"/>
+              <a:gd name="connsiteY7" fmla="*/ 6698330 h 6858000"/>
+              <a:gd name="connsiteX8" fmla="*/ 0 w 9771446"/>
+              <a:gd name="connsiteY8" fmla="*/ 3429001 h 6858000"/>
+              <a:gd name="connsiteX9" fmla="*/ 1269223 w 9771446"/>
+              <a:gd name="connsiteY9" fmla="*/ 159673 h 6858000"/>
+            </a:gdLst>
+            <a:ahLst/>
+            <a:cxnLst>
+              <a:cxn ang="0">
+                <a:pos x="connsiteX0" y="connsiteY0"/>
+              </a:cxn>
+              <a:cxn ang="0">
+                <a:pos x="connsiteX1" y="connsiteY1"/>
+              </a:cxn>
+              <a:cxn ang="0">
+                <a:pos x="connsiteX2" y="connsiteY2"/>
+              </a:cxn>
+              <a:cxn ang="0">
+                <a:pos x="connsiteX3" y="connsiteY3"/>
+              </a:cxn>
+              <a:cxn ang="0">
+                <a:pos x="connsiteX4" y="connsiteY4"/>
+              </a:cxn>
+              <a:cxn ang="0">
+                <a:pos x="connsiteX5" y="connsiteY5"/>
+              </a:cxn>
+              <a:cxn ang="0">
+                <a:pos x="connsiteX6" y="connsiteY6"/>
+              </a:cxn>
+              <a:cxn ang="0">
+                <a:pos x="connsiteX7" y="connsiteY7"/>
+              </a:cxn>
+              <a:cxn ang="0">
+                <a:pos x="connsiteX8" y="connsiteY8"/>
+              </a:cxn>
+              <a:cxn ang="0">
+                <a:pos x="connsiteX9" y="connsiteY9"/>
+              </a:cxn>
+            </a:cxnLst>
+            <a:rect l="l" t="t" r="r" b="b"/>
+            <a:pathLst>
+              <a:path w="9771446" h="6858000">
+                <a:moveTo>
+                  <a:pt x="1422188" y="0"/>
+                </a:moveTo>
+                <a:lnTo>
+                  <a:pt x="8349258" y="0"/>
+                </a:lnTo>
+                <a:lnTo>
+                  <a:pt x="8502224" y="159673"/>
+                </a:lnTo>
+                <a:cubicBezTo>
+                  <a:pt x="9290813" y="1023162"/>
+                  <a:pt x="9771446" y="2170221"/>
+                  <a:pt x="9771446" y="3429001"/>
+                </a:cubicBezTo>
+                <a:cubicBezTo>
+                  <a:pt x="9771446" y="4687781"/>
+                  <a:pt x="9290813" y="5834840"/>
+                  <a:pt x="8502224" y="6698330"/>
+                </a:cubicBezTo>
+                <a:lnTo>
+                  <a:pt x="8349260" y="6858000"/>
+                </a:lnTo>
+                <a:lnTo>
+                  <a:pt x="1422186" y="6858000"/>
+                </a:lnTo>
+                <a:lnTo>
+                  <a:pt x="1269223" y="6698330"/>
+                </a:lnTo>
+                <a:cubicBezTo>
+                  <a:pt x="480633" y="5834840"/>
+                  <a:pt x="0" y="4687781"/>
+                  <a:pt x="0" y="3429001"/>
+                </a:cubicBezTo>
+                <a:cubicBezTo>
+                  <a:pt x="0" y="2170221"/>
+                  <a:pt x="480633" y="1023162"/>
+                  <a:pt x="1269223" y="159673"/>
+                </a:cubicBezTo>
+                <a:close/>
+              </a:path>
+            </a:pathLst>
+          </a:custGeom>
+          <a:solidFill>
+            <a:schemeClr val="bg1">
+              <a:lumMod val="85000"/>
+              <a:alpha val="62000"/>
+            </a:schemeClr>
+          </a:solidFill>
+          <a:ln>
+            <a:noFill/>
+          </a:ln>
+        </p:spPr>
+        <p:style>
+          <a:lnRef idx="2">
+            <a:schemeClr val="accent1">
+              <a:shade val="50000"/>
+            </a:schemeClr>
+          </a:lnRef>
+          <a:fillRef idx="1">
+            <a:schemeClr val="accent1"/>
+          </a:fillRef>
+          <a:effectRef idx="0">
+            <a:schemeClr val="accent1"/>
+          </a:effectRef>
+          <a:fontRef idx="minor">
+            <a:schemeClr val="lt1"/>
+          </a:fontRef>
+        </p:style>
+        <p:txBody>
+          <a:bodyPr wrap="square" rtlCol="0" anchor="ctr">
+            <a:noAutofit/>
+          </a:bodyPr>
+          <a:lstStyle/>
+          <a:p>
+            <a:pPr algn="ctr"/>
+            <a:endParaRPr lang="en-US"/>
+          </a:p>
+        </p:txBody>
+      </p:sp>
+      <p:pic>
+        <p:nvPicPr>
+          <p:cNvPr id="3" name="Picture 2">
+            <a:extLst>
+              <a:ext uri="{FF2B5EF4-FFF2-40B4-BE49-F238E27FC236}">
+                <a16:creationId xmlns:a16="http://schemas.microsoft.com/office/drawing/2014/main" id="{E1353533-65EF-B247-9DDE-948ABE87EB5E}"/>
+              </a:ext>
+            </a:extLst>
+          </p:cNvPr>
+          <p:cNvPicPr>
+            <a:picLocks noChangeAspect="1"/>
+          </p:cNvPicPr>
+          <p:nvPr/>
+        </p:nvPicPr>
+        <p:blipFill rotWithShape="1">
+          <a:blip r:embed="rId2"/>
+          <a:srcRect t="4185" b="4345"/>
+          <a:stretch/>
+        </p:blipFill>
+        <p:spPr>
+          <a:xfrm>
+            <a:off x="1460597" y="10"/>
+            <a:ext cx="9270806" cy="6857990"/>
+          </a:xfrm>
+          <a:custGeom>
+            <a:avLst/>
+            <a:gdLst>
+              <a:gd name="connsiteX0" fmla="*/ 1503712 w 9270806"/>
+              <a:gd name="connsiteY0" fmla="*/ 0 h 6858000"/>
+              <a:gd name="connsiteX1" fmla="*/ 7767094 w 9270806"/>
+              <a:gd name="connsiteY1" fmla="*/ 0 h 6858000"/>
+              <a:gd name="connsiteX2" fmla="*/ 7913128 w 9270806"/>
+              <a:gd name="connsiteY2" fmla="*/ 139721 h 6858000"/>
+              <a:gd name="connsiteX3" fmla="*/ 9270806 w 9270806"/>
+              <a:gd name="connsiteY3" fmla="*/ 3429000 h 6858000"/>
+              <a:gd name="connsiteX4" fmla="*/ 7913128 w 9270806"/>
+              <a:gd name="connsiteY4" fmla="*/ 6718279 h 6858000"/>
+              <a:gd name="connsiteX5" fmla="*/ 7767094 w 9270806"/>
+              <a:gd name="connsiteY5" fmla="*/ 6858000 h 6858000"/>
+              <a:gd name="connsiteX6" fmla="*/ 1503712 w 9270806"/>
+              <a:gd name="connsiteY6" fmla="*/ 6858000 h 6858000"/>
+              <a:gd name="connsiteX7" fmla="*/ 1357679 w 9270806"/>
+              <a:gd name="connsiteY7" fmla="*/ 6718279 h 6858000"/>
+              <a:gd name="connsiteX8" fmla="*/ 0 w 9270806"/>
+              <a:gd name="connsiteY8" fmla="*/ 3429000 h 6858000"/>
+              <a:gd name="connsiteX9" fmla="*/ 1357679 w 9270806"/>
+              <a:gd name="connsiteY9" fmla="*/ 139721 h 6858000"/>
+            </a:gdLst>
+            <a:ahLst/>
+            <a:cxnLst>
+              <a:cxn ang="0">
+                <a:pos x="connsiteX0" y="connsiteY0"/>
+              </a:cxn>
+              <a:cxn ang="0">
+                <a:pos x="connsiteX1" y="connsiteY1"/>
+              </a:cxn>
+              <a:cxn ang="0">
+                <a:pos x="connsiteX2" y="connsiteY2"/>
+              </a:cxn>
+              <a:cxn ang="0">
+                <a:pos x="connsiteX3" y="connsiteY3"/>
+              </a:cxn>
+              <a:cxn ang="0">
+                <a:pos x="connsiteX4" y="connsiteY4"/>
+              </a:cxn>
+              <a:cxn ang="0">
+                <a:pos x="connsiteX5" y="connsiteY5"/>
+              </a:cxn>
+              <a:cxn ang="0">
+                <a:pos x="connsiteX6" y="connsiteY6"/>
+              </a:cxn>
+              <a:cxn ang="0">
+                <a:pos x="connsiteX7" y="connsiteY7"/>
+              </a:cxn>
+              <a:cxn ang="0">
+                <a:pos x="connsiteX8" y="connsiteY8"/>
+              </a:cxn>
+              <a:cxn ang="0">
+                <a:pos x="connsiteX9" y="connsiteY9"/>
+              </a:cxn>
+            </a:cxnLst>
+            <a:rect l="l" t="t" r="r" b="b"/>
+            <a:pathLst>
+              <a:path w="9270806" h="6858000">
+                <a:moveTo>
+                  <a:pt x="1503712" y="0"/>
+                </a:moveTo>
+                <a:lnTo>
+                  <a:pt x="7767094" y="0"/>
+                </a:lnTo>
+                <a:lnTo>
+                  <a:pt x="7913128" y="139721"/>
+                </a:lnTo>
+                <a:cubicBezTo>
+                  <a:pt x="8751971" y="981521"/>
+                  <a:pt x="9270806" y="2144457"/>
+                  <a:pt x="9270806" y="3429000"/>
+                </a:cubicBezTo>
+                <a:cubicBezTo>
+                  <a:pt x="9270806" y="4713544"/>
+                  <a:pt x="8751971" y="5876479"/>
+                  <a:pt x="7913128" y="6718279"/>
+                </a:cubicBezTo>
+                <a:lnTo>
+                  <a:pt x="7767094" y="6858000"/>
+                </a:lnTo>
+                <a:lnTo>
+                  <a:pt x="1503712" y="6858000"/>
+                </a:lnTo>
+                <a:lnTo>
+                  <a:pt x="1357679" y="6718279"/>
+                </a:lnTo>
+                <a:cubicBezTo>
+                  <a:pt x="518835" y="5876479"/>
+                  <a:pt x="0" y="4713544"/>
+                  <a:pt x="0" y="3429000"/>
+                </a:cubicBezTo>
+                <a:cubicBezTo>
+                  <a:pt x="0" y="2144457"/>
+                  <a:pt x="518835" y="981521"/>
+                  <a:pt x="1357679" y="139721"/>
+                </a:cubicBezTo>
+                <a:close/>
+              </a:path>
+            </a:pathLst>
+          </a:custGeom>
+        </p:spPr>
+      </p:pic>
+    </p:spTree>
+    <p:extLst>
+      <p:ext uri="{BB962C8B-B14F-4D97-AF65-F5344CB8AC3E}">
+        <p14:creationId xmlns:p14="http://schemas.microsoft.com/office/powerpoint/2010/main" val="1049566232"/>
+      </p:ext>
+    </p:extLst>
+  </p:cSld>
+  <p:clrMapOvr>
+    <a:masterClrMapping/>
+  </p:clrMapOvr>
+</p:sld>
+</file>
+
+<file path=ppt/slides/slide3.xml><?xml version="1.0" encoding="utf-8"?>
+<p:sld xmlns:a="http://schemas.openxmlformats.org/drawingml/2006/main" xmlns:r="http://schemas.openxmlformats.org/officeDocument/2006/relationships" xmlns:p="http://schemas.openxmlformats.org/presentationml/2006/main">
+  <p:cSld>
+    <p:bg>
+      <p:bgPr>
+        <a:solidFill>
+          <a:schemeClr val="bg1"/>
+        </a:solidFill>
+        <a:effectLst/>
+      </p:bgPr>
+    </p:bg>
+    <p:spTree>
+      <p:nvGrpSpPr>
+        <p:cNvPr id="1" name=""/>
+        <p:cNvGrpSpPr/>
+        <p:nvPr/>
+      </p:nvGrpSpPr>
+      <p:grpSpPr>
+        <a:xfrm>
+          <a:off x="0" y="0"/>
+          <a:ext cx="0" cy="0"/>
+          <a:chOff x="0" y="0"/>
+          <a:chExt cx="0" cy="0"/>
+        </a:xfrm>
+      </p:grpSpPr>
+      <p:sp>
+        <p:nvSpPr>
+          <p:cNvPr id="28" name="Rectangle 27">
+            <a:extLst>
+              <a:ext uri="{FF2B5EF4-FFF2-40B4-BE49-F238E27FC236}">
+                <a16:creationId xmlns:a16="http://schemas.microsoft.com/office/drawing/2014/main" id="{57845966-6EFC-468A-9CC7-BAB4B95854E7}"/>
+              </a:ext>
+              <a:ext uri="{C183D7F6-B498-43B3-948B-1728B52AA6E4}">
+                <adec:decorative xmlns:adec="http://schemas.microsoft.com/office/drawing/2017/decorative" val="1"/>
+              </a:ext>
+            </a:extLst>
+          </p:cNvPr>
+          <p:cNvSpPr>
+            <a:spLocks noGrp="1" noRot="1" noChangeAspect="1" noMove="1" noResize="1" noEditPoints="1" noAdjustHandles="1" noChangeArrowheads="1" noChangeShapeType="1" noTextEdit="1"/>
+          </p:cNvSpPr>
+          <p:nvPr>
+            <p:extLst>
+              <p:ext uri="{386F3935-93C4-4BCD-93E2-E3B085C9AB24}">
+                <p16:designElem xmlns:p16="http://schemas.microsoft.com/office/powerpoint/2015/main" val="1"/>
+              </p:ext>
+            </p:extLst>
+          </p:nvPr>
+        </p:nvSpPr>
+        <p:spPr>
+          <a:xfrm>
+            <a:off x="1354372" y="0"/>
+            <a:ext cx="9483256" cy="6858000"/>
+          </a:xfrm>
+          <a:prstGeom prst="rect">
+            <a:avLst/>
+          </a:prstGeom>
+          <a:solidFill>
+            <a:srgbClr val="25591D"/>
+          </a:solidFill>
+          <a:ln>
+            <a:noFill/>
+          </a:ln>
+        </p:spPr>
+        <p:style>
+          <a:lnRef idx="2">
+            <a:schemeClr val="accent1">
+              <a:shade val="50000"/>
+            </a:schemeClr>
+          </a:lnRef>
+          <a:fillRef idx="1">
+            <a:schemeClr val="accent1"/>
+          </a:fillRef>
+          <a:effectRef idx="0">
+            <a:schemeClr val="accent1"/>
+          </a:effectRef>
+          <a:fontRef idx="minor">
+            <a:schemeClr val="lt1"/>
+          </a:fontRef>
+        </p:style>
+        <p:txBody>
+          <a:bodyPr rtlCol="0" anchor="ctr"/>
+          <a:lstStyle/>
+          <a:p>
+            <a:pPr algn="ctr"/>
+            <a:endParaRPr lang="en-US"/>
+          </a:p>
+        </p:txBody>
+      </p:sp>
+      <p:pic>
+        <p:nvPicPr>
+          <p:cNvPr id="30" name="Picture 29">
             <a:extLst>
               <a:ext uri="{FF2B5EF4-FFF2-40B4-BE49-F238E27FC236}">
                 <a16:creationId xmlns:a16="http://schemas.microsoft.com/office/drawing/2014/main" id="{75554383-98AF-4A47-BB65-705FAAA4BE6A}"/>
@@ -3442,7 +4113,7 @@
       </p:pic>
       <p:sp>
         <p:nvSpPr>
-          <p:cNvPr id="14" name="Freeform: Shape 13">
+          <p:cNvPr id="32" name="Freeform: Shape 31">
             <a:extLst>
               <a:ext uri="{FF2B5EF4-FFF2-40B4-BE49-F238E27FC236}">
                 <a16:creationId xmlns:a16="http://schemas.microsoft.com/office/drawing/2014/main" id="{ADAD1991-FFD1-4E94-ABAB-7560D33008E4}"/>
@@ -3632,738 +4303,6 @@
       </p:sp>
       <p:pic>
         <p:nvPicPr>
-          <p:cNvPr id="5" name="Picture 4">
-            <a:extLst>
-              <a:ext uri="{FF2B5EF4-FFF2-40B4-BE49-F238E27FC236}">
-                <a16:creationId xmlns:a16="http://schemas.microsoft.com/office/drawing/2014/main" id="{CE80C204-AD3C-1E45-BB89-A3AA1F09F2FD}"/>
-              </a:ext>
-            </a:extLst>
-          </p:cNvPr>
-          <p:cNvPicPr>
-            <a:picLocks noChangeAspect="1"/>
-          </p:cNvPicPr>
-          <p:nvPr/>
-        </p:nvPicPr>
-        <p:blipFill>
-          <a:blip r:embed="rId3"/>
-          <a:stretch>
-            <a:fillRect/>
-          </a:stretch>
-        </p:blipFill>
-        <p:spPr>
-          <a:xfrm>
-            <a:off x="3236181" y="1231707"/>
-            <a:ext cx="5462546" cy="4438318"/>
-          </a:xfrm>
-          <a:prstGeom prst="rect">
-            <a:avLst/>
-          </a:prstGeom>
-        </p:spPr>
-      </p:pic>
-    </p:spTree>
-    <p:extLst>
-      <p:ext uri="{BB962C8B-B14F-4D97-AF65-F5344CB8AC3E}">
-        <p14:creationId xmlns:p14="http://schemas.microsoft.com/office/powerpoint/2010/main" val="4111987117"/>
-      </p:ext>
-    </p:extLst>
-  </p:cSld>
-  <p:clrMapOvr>
-    <a:masterClrMapping/>
-  </p:clrMapOvr>
-</p:sld>
-</file>
-
-<file path=ppt/slides/slide2.xml><?xml version="1.0" encoding="utf-8"?>
-<p:sld xmlns:a="http://schemas.openxmlformats.org/drawingml/2006/main" xmlns:r="http://schemas.openxmlformats.org/officeDocument/2006/relationships" xmlns:p="http://schemas.openxmlformats.org/presentationml/2006/main">
-  <p:cSld>
-    <p:bg>
-      <p:bgPr>
-        <a:solidFill>
-          <a:schemeClr val="bg1"/>
-        </a:solidFill>
-        <a:effectLst/>
-      </p:bgPr>
-    </p:bg>
-    <p:spTree>
-      <p:nvGrpSpPr>
-        <p:cNvPr id="1" name=""/>
-        <p:cNvGrpSpPr/>
-        <p:nvPr/>
-      </p:nvGrpSpPr>
-      <p:grpSpPr>
-        <a:xfrm>
-          <a:off x="0" y="0"/>
-          <a:ext cx="0" cy="0"/>
-          <a:chOff x="0" y="0"/>
-          <a:chExt cx="0" cy="0"/>
-        </a:xfrm>
-      </p:grpSpPr>
-      <p:sp>
-        <p:nvSpPr>
-          <p:cNvPr id="19" name="Rectangle 18">
-            <a:extLst>
-              <a:ext uri="{FF2B5EF4-FFF2-40B4-BE49-F238E27FC236}">
-                <a16:creationId xmlns:a16="http://schemas.microsoft.com/office/drawing/2014/main" id="{57845966-6EFC-468A-9CC7-BAB4B95854E7}"/>
-              </a:ext>
-              <a:ext uri="{C183D7F6-B498-43B3-948B-1728B52AA6E4}">
-                <adec:decorative xmlns:adec="http://schemas.microsoft.com/office/drawing/2017/decorative" val="1"/>
-              </a:ext>
-            </a:extLst>
-          </p:cNvPr>
-          <p:cNvSpPr>
-            <a:spLocks noGrp="1" noRot="1" noChangeAspect="1" noMove="1" noResize="1" noEditPoints="1" noAdjustHandles="1" noChangeArrowheads="1" noChangeShapeType="1" noTextEdit="1"/>
-          </p:cNvSpPr>
-          <p:nvPr>
-            <p:extLst>
-              <p:ext uri="{386F3935-93C4-4BCD-93E2-E3B085C9AB24}">
-                <p16:designElem xmlns:p16="http://schemas.microsoft.com/office/powerpoint/2015/main" val="1"/>
-              </p:ext>
-            </p:extLst>
-          </p:nvPr>
-        </p:nvSpPr>
-        <p:spPr>
-          <a:xfrm>
-            <a:off x="1354372" y="0"/>
-            <a:ext cx="9483256" cy="6858000"/>
-          </a:xfrm>
-          <a:prstGeom prst="rect">
-            <a:avLst/>
-          </a:prstGeom>
-          <a:solidFill>
-            <a:srgbClr val="6A3879"/>
-          </a:solidFill>
-          <a:ln>
-            <a:noFill/>
-          </a:ln>
-        </p:spPr>
-        <p:style>
-          <a:lnRef idx="2">
-            <a:schemeClr val="accent1">
-              <a:shade val="50000"/>
-            </a:schemeClr>
-          </a:lnRef>
-          <a:fillRef idx="1">
-            <a:schemeClr val="accent1"/>
-          </a:fillRef>
-          <a:effectRef idx="0">
-            <a:schemeClr val="accent1"/>
-          </a:effectRef>
-          <a:fontRef idx="minor">
-            <a:schemeClr val="lt1"/>
-          </a:fontRef>
-        </p:style>
-        <p:txBody>
-          <a:bodyPr rtlCol="0" anchor="ctr"/>
-          <a:lstStyle/>
-          <a:p>
-            <a:pPr algn="ctr"/>
-            <a:endParaRPr lang="en-US"/>
-          </a:p>
-        </p:txBody>
-      </p:sp>
-      <p:pic>
-        <p:nvPicPr>
-          <p:cNvPr id="21" name="Picture 20">
-            <a:extLst>
-              <a:ext uri="{FF2B5EF4-FFF2-40B4-BE49-F238E27FC236}">
-                <a16:creationId xmlns:a16="http://schemas.microsoft.com/office/drawing/2014/main" id="{75554383-98AF-4A47-BB65-705FAAA4BE6A}"/>
-              </a:ext>
-              <a:ext uri="{C183D7F6-B498-43B3-948B-1728B52AA6E4}">
-                <adec:decorative xmlns:adec="http://schemas.microsoft.com/office/drawing/2017/decorative" val="1"/>
-              </a:ext>
-            </a:extLst>
-          </p:cNvPr>
-          <p:cNvPicPr>
-            <a:picLocks noGrp="1" noRot="1" noChangeAspect="1" noMove="1" noResize="1" noEditPoints="1" noAdjustHandles="1" noChangeArrowheads="1" noChangeShapeType="1" noCrop="1"/>
-          </p:cNvPicPr>
-          <p:nvPr>
-            <p:extLst>
-              <p:ext uri="{386F3935-93C4-4BCD-93E2-E3B085C9AB24}">
-                <p16:designElem xmlns:p16="http://schemas.microsoft.com/office/powerpoint/2015/main" val="1"/>
-              </p:ext>
-            </p:extLst>
-          </p:nvPr>
-        </p:nvPicPr>
-        <p:blipFill>
-          <a:blip r:embed="rId2">
-            <a:extLst>
-              <a:ext uri="{28A0092B-C50C-407E-A947-70E740481C1C}">
-                <a14:useLocalDpi xmlns:a14="http://schemas.microsoft.com/office/drawing/2010/main" val="0"/>
-              </a:ext>
-            </a:extLst>
-          </a:blip>
-          <a:stretch>
-            <a:fillRect/>
-          </a:stretch>
-        </p:blipFill>
-        <p:spPr>
-          <a:xfrm>
-            <a:off x="0" y="0"/>
-            <a:ext cx="12192000" cy="6858000"/>
-          </a:xfrm>
-          <a:prstGeom prst="rect">
-            <a:avLst/>
-          </a:prstGeom>
-        </p:spPr>
-      </p:pic>
-      <p:sp>
-        <p:nvSpPr>
-          <p:cNvPr id="23" name="Freeform: Shape 22">
-            <a:extLst>
-              <a:ext uri="{FF2B5EF4-FFF2-40B4-BE49-F238E27FC236}">
-                <a16:creationId xmlns:a16="http://schemas.microsoft.com/office/drawing/2014/main" id="{ADAD1991-FFD1-4E94-ABAB-7560D33008E4}"/>
-              </a:ext>
-              <a:ext uri="{C183D7F6-B498-43B3-948B-1728B52AA6E4}">
-                <adec:decorative xmlns:adec="http://schemas.microsoft.com/office/drawing/2017/decorative" val="1"/>
-              </a:ext>
-            </a:extLst>
-          </p:cNvPr>
-          <p:cNvSpPr>
-            <a:spLocks noGrp="1" noRot="1" noChangeAspect="1" noMove="1" noResize="1" noEditPoints="1" noAdjustHandles="1" noChangeArrowheads="1" noChangeShapeType="1" noTextEdit="1"/>
-          </p:cNvSpPr>
-          <p:nvPr>
-            <p:extLst>
-              <p:ext uri="{386F3935-93C4-4BCD-93E2-E3B085C9AB24}">
-                <p16:designElem xmlns:p16="http://schemas.microsoft.com/office/powerpoint/2015/main" val="1"/>
-              </p:ext>
-            </p:extLst>
-          </p:nvPr>
-        </p:nvSpPr>
-        <p:spPr>
-          <a:xfrm>
-            <a:off x="2144484" y="0"/>
-            <a:ext cx="7837716" cy="6858000"/>
-          </a:xfrm>
-          <a:custGeom>
-            <a:avLst/>
-            <a:gdLst>
-              <a:gd name="connsiteX0" fmla="*/ 2232159 w 7837716"/>
-              <a:gd name="connsiteY0" fmla="*/ 0 h 6858000"/>
-              <a:gd name="connsiteX1" fmla="*/ 5605557 w 7837716"/>
-              <a:gd name="connsiteY1" fmla="*/ 0 h 6858000"/>
-              <a:gd name="connsiteX2" fmla="*/ 5617845 w 7837716"/>
-              <a:gd name="connsiteY2" fmla="*/ 5384 h 6858000"/>
-              <a:gd name="connsiteX3" fmla="*/ 7837716 w 7837716"/>
-              <a:gd name="connsiteY3" fmla="*/ 3429000 h 6858000"/>
-              <a:gd name="connsiteX4" fmla="*/ 5617845 w 7837716"/>
-              <a:gd name="connsiteY4" fmla="*/ 6852616 h 6858000"/>
-              <a:gd name="connsiteX5" fmla="*/ 5605557 w 7837716"/>
-              <a:gd name="connsiteY5" fmla="*/ 6858000 h 6858000"/>
-              <a:gd name="connsiteX6" fmla="*/ 2232159 w 7837716"/>
-              <a:gd name="connsiteY6" fmla="*/ 6858000 h 6858000"/>
-              <a:gd name="connsiteX7" fmla="*/ 2219871 w 7837716"/>
-              <a:gd name="connsiteY7" fmla="*/ 6852616 h 6858000"/>
-              <a:gd name="connsiteX8" fmla="*/ 0 w 7837716"/>
-              <a:gd name="connsiteY8" fmla="*/ 3429000 h 6858000"/>
-              <a:gd name="connsiteX9" fmla="*/ 2219871 w 7837716"/>
-              <a:gd name="connsiteY9" fmla="*/ 5384 h 6858000"/>
-            </a:gdLst>
-            <a:ahLst/>
-            <a:cxnLst>
-              <a:cxn ang="0">
-                <a:pos x="connsiteX0" y="connsiteY0"/>
-              </a:cxn>
-              <a:cxn ang="0">
-                <a:pos x="connsiteX1" y="connsiteY1"/>
-              </a:cxn>
-              <a:cxn ang="0">
-                <a:pos x="connsiteX2" y="connsiteY2"/>
-              </a:cxn>
-              <a:cxn ang="0">
-                <a:pos x="connsiteX3" y="connsiteY3"/>
-              </a:cxn>
-              <a:cxn ang="0">
-                <a:pos x="connsiteX4" y="connsiteY4"/>
-              </a:cxn>
-              <a:cxn ang="0">
-                <a:pos x="connsiteX5" y="connsiteY5"/>
-              </a:cxn>
-              <a:cxn ang="0">
-                <a:pos x="connsiteX6" y="connsiteY6"/>
-              </a:cxn>
-              <a:cxn ang="0">
-                <a:pos x="connsiteX7" y="connsiteY7"/>
-              </a:cxn>
-              <a:cxn ang="0">
-                <a:pos x="connsiteX8" y="connsiteY8"/>
-              </a:cxn>
-              <a:cxn ang="0">
-                <a:pos x="connsiteX9" y="connsiteY9"/>
-              </a:cxn>
-            </a:cxnLst>
-            <a:rect l="l" t="t" r="r" b="b"/>
-            <a:pathLst>
-              <a:path w="7837716" h="6858000">
-                <a:moveTo>
-                  <a:pt x="2232159" y="0"/>
-                </a:moveTo>
-                <a:lnTo>
-                  <a:pt x="5605557" y="0"/>
-                </a:lnTo>
-                <a:lnTo>
-                  <a:pt x="5617845" y="5384"/>
-                </a:lnTo>
-                <a:cubicBezTo>
-                  <a:pt x="6931322" y="618789"/>
-                  <a:pt x="7837716" y="1921305"/>
-                  <a:pt x="7837716" y="3429000"/>
-                </a:cubicBezTo>
-                <a:cubicBezTo>
-                  <a:pt x="7837716" y="4936696"/>
-                  <a:pt x="6931322" y="6239212"/>
-                  <a:pt x="5617845" y="6852616"/>
-                </a:cubicBezTo>
-                <a:lnTo>
-                  <a:pt x="5605557" y="6858000"/>
-                </a:lnTo>
-                <a:lnTo>
-                  <a:pt x="2232159" y="6858000"/>
-                </a:lnTo>
-                <a:lnTo>
-                  <a:pt x="2219871" y="6852616"/>
-                </a:lnTo>
-                <a:cubicBezTo>
-                  <a:pt x="906394" y="6239212"/>
-                  <a:pt x="0" y="4936696"/>
-                  <a:pt x="0" y="3429000"/>
-                </a:cubicBezTo>
-                <a:cubicBezTo>
-                  <a:pt x="0" y="1921305"/>
-                  <a:pt x="906394" y="618789"/>
-                  <a:pt x="2219871" y="5384"/>
-                </a:cubicBezTo>
-                <a:close/>
-              </a:path>
-            </a:pathLst>
-          </a:custGeom>
-          <a:solidFill>
-            <a:schemeClr val="bg1"/>
-          </a:solidFill>
-          <a:ln>
-            <a:gradFill>
-              <a:gsLst>
-                <a:gs pos="0">
-                  <a:schemeClr val="accent1">
-                    <a:lumMod val="40000"/>
-                    <a:lumOff val="60000"/>
-                  </a:schemeClr>
-                </a:gs>
-                <a:gs pos="23000">
-                  <a:schemeClr val="accent1">
-                    <a:lumMod val="45000"/>
-                    <a:lumOff val="55000"/>
-                  </a:schemeClr>
-                </a:gs>
-                <a:gs pos="83000">
-                  <a:schemeClr val="bg2">
-                    <a:lumMod val="82000"/>
-                  </a:schemeClr>
-                </a:gs>
-                <a:gs pos="100000">
-                  <a:schemeClr val="bg2">
-                    <a:lumMod val="87000"/>
-                  </a:schemeClr>
-                </a:gs>
-              </a:gsLst>
-              <a:lin ang="5400000" scaled="1"/>
-            </a:gradFill>
-          </a:ln>
-        </p:spPr>
-        <p:style>
-          <a:lnRef idx="2">
-            <a:schemeClr val="accent1">
-              <a:shade val="50000"/>
-            </a:schemeClr>
-          </a:lnRef>
-          <a:fillRef idx="1">
-            <a:schemeClr val="accent1"/>
-          </a:fillRef>
-          <a:effectRef idx="0">
-            <a:schemeClr val="accent1"/>
-          </a:effectRef>
-          <a:fontRef idx="minor">
-            <a:schemeClr val="lt1"/>
-          </a:fontRef>
-        </p:style>
-        <p:txBody>
-          <a:bodyPr wrap="square" rtlCol="0" anchor="ctr">
-            <a:noAutofit/>
-          </a:bodyPr>
-          <a:lstStyle/>
-          <a:p>
-            <a:pPr algn="ctr"/>
-            <a:endParaRPr lang="en-US"/>
-          </a:p>
-        </p:txBody>
-      </p:sp>
-      <p:pic>
-        <p:nvPicPr>
-          <p:cNvPr id="3" name="Picture 2">
-            <a:extLst>
-              <a:ext uri="{FF2B5EF4-FFF2-40B4-BE49-F238E27FC236}">
-                <a16:creationId xmlns:a16="http://schemas.microsoft.com/office/drawing/2014/main" id="{E1353533-65EF-B247-9DDE-948ABE87EB5E}"/>
-              </a:ext>
-            </a:extLst>
-          </p:cNvPr>
-          <p:cNvPicPr>
-            <a:picLocks noChangeAspect="1"/>
-          </p:cNvPicPr>
-          <p:nvPr/>
-        </p:nvPicPr>
-        <p:blipFill>
-          <a:blip r:embed="rId3"/>
-          <a:stretch>
-            <a:fillRect/>
-          </a:stretch>
-        </p:blipFill>
-        <p:spPr>
-          <a:xfrm>
-            <a:off x="3236181" y="1242018"/>
-            <a:ext cx="5462546" cy="4417696"/>
-          </a:xfrm>
-          <a:prstGeom prst="rect">
-            <a:avLst/>
-          </a:prstGeom>
-        </p:spPr>
-      </p:pic>
-    </p:spTree>
-    <p:extLst>
-      <p:ext uri="{BB962C8B-B14F-4D97-AF65-F5344CB8AC3E}">
-        <p14:creationId xmlns:p14="http://schemas.microsoft.com/office/powerpoint/2010/main" val="1049566232"/>
-      </p:ext>
-    </p:extLst>
-  </p:cSld>
-  <p:clrMapOvr>
-    <a:masterClrMapping/>
-  </p:clrMapOvr>
-</p:sld>
-</file>
-
-<file path=ppt/slides/slide3.xml><?xml version="1.0" encoding="utf-8"?>
-<p:sld xmlns:a="http://schemas.openxmlformats.org/drawingml/2006/main" xmlns:r="http://schemas.openxmlformats.org/officeDocument/2006/relationships" xmlns:p="http://schemas.openxmlformats.org/presentationml/2006/main">
-  <p:cSld>
-    <p:bg>
-      <p:bgPr>
-        <a:solidFill>
-          <a:schemeClr val="bg1"/>
-        </a:solidFill>
-        <a:effectLst/>
-      </p:bgPr>
-    </p:bg>
-    <p:spTree>
-      <p:nvGrpSpPr>
-        <p:cNvPr id="1" name=""/>
-        <p:cNvGrpSpPr/>
-        <p:nvPr/>
-      </p:nvGrpSpPr>
-      <p:grpSpPr>
-        <a:xfrm>
-          <a:off x="0" y="0"/>
-          <a:ext cx="0" cy="0"/>
-          <a:chOff x="0" y="0"/>
-          <a:chExt cx="0" cy="0"/>
-        </a:xfrm>
-      </p:grpSpPr>
-      <p:sp>
-        <p:nvSpPr>
-          <p:cNvPr id="28" name="Rectangle 27">
-            <a:extLst>
-              <a:ext uri="{FF2B5EF4-FFF2-40B4-BE49-F238E27FC236}">
-                <a16:creationId xmlns:a16="http://schemas.microsoft.com/office/drawing/2014/main" id="{57845966-6EFC-468A-9CC7-BAB4B95854E7}"/>
-              </a:ext>
-              <a:ext uri="{C183D7F6-B498-43B3-948B-1728B52AA6E4}">
-                <adec:decorative xmlns:adec="http://schemas.microsoft.com/office/drawing/2017/decorative" val="1"/>
-              </a:ext>
-            </a:extLst>
-          </p:cNvPr>
-          <p:cNvSpPr>
-            <a:spLocks noGrp="1" noRot="1" noChangeAspect="1" noMove="1" noResize="1" noEditPoints="1" noAdjustHandles="1" noChangeArrowheads="1" noChangeShapeType="1" noTextEdit="1"/>
-          </p:cNvSpPr>
-          <p:nvPr>
-            <p:extLst>
-              <p:ext uri="{386F3935-93C4-4BCD-93E2-E3B085C9AB24}">
-                <p16:designElem xmlns:p16="http://schemas.microsoft.com/office/powerpoint/2015/main" val="1"/>
-              </p:ext>
-            </p:extLst>
-          </p:nvPr>
-        </p:nvSpPr>
-        <p:spPr>
-          <a:xfrm>
-            <a:off x="1354372" y="0"/>
-            <a:ext cx="9483256" cy="6858000"/>
-          </a:xfrm>
-          <a:prstGeom prst="rect">
-            <a:avLst/>
-          </a:prstGeom>
-          <a:solidFill>
-            <a:srgbClr val="25591D"/>
-          </a:solidFill>
-          <a:ln>
-            <a:noFill/>
-          </a:ln>
-        </p:spPr>
-        <p:style>
-          <a:lnRef idx="2">
-            <a:schemeClr val="accent1">
-              <a:shade val="50000"/>
-            </a:schemeClr>
-          </a:lnRef>
-          <a:fillRef idx="1">
-            <a:schemeClr val="accent1"/>
-          </a:fillRef>
-          <a:effectRef idx="0">
-            <a:schemeClr val="accent1"/>
-          </a:effectRef>
-          <a:fontRef idx="minor">
-            <a:schemeClr val="lt1"/>
-          </a:fontRef>
-        </p:style>
-        <p:txBody>
-          <a:bodyPr rtlCol="0" anchor="ctr"/>
-          <a:lstStyle/>
-          <a:p>
-            <a:pPr algn="ctr"/>
-            <a:endParaRPr lang="en-US"/>
-          </a:p>
-        </p:txBody>
-      </p:sp>
-      <p:pic>
-        <p:nvPicPr>
-          <p:cNvPr id="30" name="Picture 29">
-            <a:extLst>
-              <a:ext uri="{FF2B5EF4-FFF2-40B4-BE49-F238E27FC236}">
-                <a16:creationId xmlns:a16="http://schemas.microsoft.com/office/drawing/2014/main" id="{75554383-98AF-4A47-BB65-705FAAA4BE6A}"/>
-              </a:ext>
-              <a:ext uri="{C183D7F6-B498-43B3-948B-1728B52AA6E4}">
-                <adec:decorative xmlns:adec="http://schemas.microsoft.com/office/drawing/2017/decorative" val="1"/>
-              </a:ext>
-            </a:extLst>
-          </p:cNvPr>
-          <p:cNvPicPr>
-            <a:picLocks noGrp="1" noRot="1" noChangeAspect="1" noMove="1" noResize="1" noEditPoints="1" noAdjustHandles="1" noChangeArrowheads="1" noChangeShapeType="1" noCrop="1"/>
-          </p:cNvPicPr>
-          <p:nvPr>
-            <p:extLst>
-              <p:ext uri="{386F3935-93C4-4BCD-93E2-E3B085C9AB24}">
-                <p16:designElem xmlns:p16="http://schemas.microsoft.com/office/powerpoint/2015/main" val="1"/>
-              </p:ext>
-            </p:extLst>
-          </p:nvPr>
-        </p:nvPicPr>
-        <p:blipFill>
-          <a:blip r:embed="rId2">
-            <a:extLst>
-              <a:ext uri="{28A0092B-C50C-407E-A947-70E740481C1C}">
-                <a14:useLocalDpi xmlns:a14="http://schemas.microsoft.com/office/drawing/2010/main" val="0"/>
-              </a:ext>
-            </a:extLst>
-          </a:blip>
-          <a:stretch>
-            <a:fillRect/>
-          </a:stretch>
-        </p:blipFill>
-        <p:spPr>
-          <a:xfrm>
-            <a:off x="0" y="0"/>
-            <a:ext cx="12192000" cy="6858000"/>
-          </a:xfrm>
-          <a:prstGeom prst="rect">
-            <a:avLst/>
-          </a:prstGeom>
-        </p:spPr>
-      </p:pic>
-      <p:sp>
-        <p:nvSpPr>
-          <p:cNvPr id="32" name="Freeform: Shape 31">
-            <a:extLst>
-              <a:ext uri="{FF2B5EF4-FFF2-40B4-BE49-F238E27FC236}">
-                <a16:creationId xmlns:a16="http://schemas.microsoft.com/office/drawing/2014/main" id="{ADAD1991-FFD1-4E94-ABAB-7560D33008E4}"/>
-              </a:ext>
-              <a:ext uri="{C183D7F6-B498-43B3-948B-1728B52AA6E4}">
-                <adec:decorative xmlns:adec="http://schemas.microsoft.com/office/drawing/2017/decorative" val="1"/>
-              </a:ext>
-            </a:extLst>
-          </p:cNvPr>
-          <p:cNvSpPr>
-            <a:spLocks noGrp="1" noRot="1" noChangeAspect="1" noMove="1" noResize="1" noEditPoints="1" noAdjustHandles="1" noChangeArrowheads="1" noChangeShapeType="1" noTextEdit="1"/>
-          </p:cNvSpPr>
-          <p:nvPr>
-            <p:extLst>
-              <p:ext uri="{386F3935-93C4-4BCD-93E2-E3B085C9AB24}">
-                <p16:designElem xmlns:p16="http://schemas.microsoft.com/office/powerpoint/2015/main" val="1"/>
-              </p:ext>
-            </p:extLst>
-          </p:nvPr>
-        </p:nvSpPr>
-        <p:spPr>
-          <a:xfrm>
-            <a:off x="2144484" y="0"/>
-            <a:ext cx="7837716" cy="6858000"/>
-          </a:xfrm>
-          <a:custGeom>
-            <a:avLst/>
-            <a:gdLst>
-              <a:gd name="connsiteX0" fmla="*/ 2232159 w 7837716"/>
-              <a:gd name="connsiteY0" fmla="*/ 0 h 6858000"/>
-              <a:gd name="connsiteX1" fmla="*/ 5605557 w 7837716"/>
-              <a:gd name="connsiteY1" fmla="*/ 0 h 6858000"/>
-              <a:gd name="connsiteX2" fmla="*/ 5617845 w 7837716"/>
-              <a:gd name="connsiteY2" fmla="*/ 5384 h 6858000"/>
-              <a:gd name="connsiteX3" fmla="*/ 7837716 w 7837716"/>
-              <a:gd name="connsiteY3" fmla="*/ 3429000 h 6858000"/>
-              <a:gd name="connsiteX4" fmla="*/ 5617845 w 7837716"/>
-              <a:gd name="connsiteY4" fmla="*/ 6852616 h 6858000"/>
-              <a:gd name="connsiteX5" fmla="*/ 5605557 w 7837716"/>
-              <a:gd name="connsiteY5" fmla="*/ 6858000 h 6858000"/>
-              <a:gd name="connsiteX6" fmla="*/ 2232159 w 7837716"/>
-              <a:gd name="connsiteY6" fmla="*/ 6858000 h 6858000"/>
-              <a:gd name="connsiteX7" fmla="*/ 2219871 w 7837716"/>
-              <a:gd name="connsiteY7" fmla="*/ 6852616 h 6858000"/>
-              <a:gd name="connsiteX8" fmla="*/ 0 w 7837716"/>
-              <a:gd name="connsiteY8" fmla="*/ 3429000 h 6858000"/>
-              <a:gd name="connsiteX9" fmla="*/ 2219871 w 7837716"/>
-              <a:gd name="connsiteY9" fmla="*/ 5384 h 6858000"/>
-            </a:gdLst>
-            <a:ahLst/>
-            <a:cxnLst>
-              <a:cxn ang="0">
-                <a:pos x="connsiteX0" y="connsiteY0"/>
-              </a:cxn>
-              <a:cxn ang="0">
-                <a:pos x="connsiteX1" y="connsiteY1"/>
-              </a:cxn>
-              <a:cxn ang="0">
-                <a:pos x="connsiteX2" y="connsiteY2"/>
-              </a:cxn>
-              <a:cxn ang="0">
-                <a:pos x="connsiteX3" y="connsiteY3"/>
-              </a:cxn>
-              <a:cxn ang="0">
-                <a:pos x="connsiteX4" y="connsiteY4"/>
-              </a:cxn>
-              <a:cxn ang="0">
-                <a:pos x="connsiteX5" y="connsiteY5"/>
-              </a:cxn>
-              <a:cxn ang="0">
-                <a:pos x="connsiteX6" y="connsiteY6"/>
-              </a:cxn>
-              <a:cxn ang="0">
-                <a:pos x="connsiteX7" y="connsiteY7"/>
-              </a:cxn>
-              <a:cxn ang="0">
-                <a:pos x="connsiteX8" y="connsiteY8"/>
-              </a:cxn>
-              <a:cxn ang="0">
-                <a:pos x="connsiteX9" y="connsiteY9"/>
-              </a:cxn>
-            </a:cxnLst>
-            <a:rect l="l" t="t" r="r" b="b"/>
-            <a:pathLst>
-              <a:path w="7837716" h="6858000">
-                <a:moveTo>
-                  <a:pt x="2232159" y="0"/>
-                </a:moveTo>
-                <a:lnTo>
-                  <a:pt x="5605557" y="0"/>
-                </a:lnTo>
-                <a:lnTo>
-                  <a:pt x="5617845" y="5384"/>
-                </a:lnTo>
-                <a:cubicBezTo>
-                  <a:pt x="6931322" y="618789"/>
-                  <a:pt x="7837716" y="1921305"/>
-                  <a:pt x="7837716" y="3429000"/>
-                </a:cubicBezTo>
-                <a:cubicBezTo>
-                  <a:pt x="7837716" y="4936696"/>
-                  <a:pt x="6931322" y="6239212"/>
-                  <a:pt x="5617845" y="6852616"/>
-                </a:cubicBezTo>
-                <a:lnTo>
-                  <a:pt x="5605557" y="6858000"/>
-                </a:lnTo>
-                <a:lnTo>
-                  <a:pt x="2232159" y="6858000"/>
-                </a:lnTo>
-                <a:lnTo>
-                  <a:pt x="2219871" y="6852616"/>
-                </a:lnTo>
-                <a:cubicBezTo>
-                  <a:pt x="906394" y="6239212"/>
-                  <a:pt x="0" y="4936696"/>
-                  <a:pt x="0" y="3429000"/>
-                </a:cubicBezTo>
-                <a:cubicBezTo>
-                  <a:pt x="0" y="1921305"/>
-                  <a:pt x="906394" y="618789"/>
-                  <a:pt x="2219871" y="5384"/>
-                </a:cubicBezTo>
-                <a:close/>
-              </a:path>
-            </a:pathLst>
-          </a:custGeom>
-          <a:solidFill>
-            <a:schemeClr val="bg1"/>
-          </a:solidFill>
-          <a:ln>
-            <a:gradFill>
-              <a:gsLst>
-                <a:gs pos="0">
-                  <a:schemeClr val="accent1">
-                    <a:lumMod val="40000"/>
-                    <a:lumOff val="60000"/>
-                  </a:schemeClr>
-                </a:gs>
-                <a:gs pos="23000">
-                  <a:schemeClr val="accent1">
-                    <a:lumMod val="45000"/>
-                    <a:lumOff val="55000"/>
-                  </a:schemeClr>
-                </a:gs>
-                <a:gs pos="83000">
-                  <a:schemeClr val="bg2">
-                    <a:lumMod val="82000"/>
-                  </a:schemeClr>
-                </a:gs>
-                <a:gs pos="100000">
-                  <a:schemeClr val="bg2">
-                    <a:lumMod val="87000"/>
-                  </a:schemeClr>
-                </a:gs>
-              </a:gsLst>
-              <a:lin ang="5400000" scaled="1"/>
-            </a:gradFill>
-          </a:ln>
-        </p:spPr>
-        <p:style>
-          <a:lnRef idx="2">
-            <a:schemeClr val="accent1">
-              <a:shade val="50000"/>
-            </a:schemeClr>
-          </a:lnRef>
-          <a:fillRef idx="1">
-            <a:schemeClr val="accent1"/>
-          </a:fillRef>
-          <a:effectRef idx="0">
-            <a:schemeClr val="accent1"/>
-          </a:effectRef>
-          <a:fontRef idx="minor">
-            <a:schemeClr val="lt1"/>
-          </a:fontRef>
-        </p:style>
-        <p:txBody>
-          <a:bodyPr wrap="square" rtlCol="0" anchor="ctr">
-            <a:noAutofit/>
-          </a:bodyPr>
-          <a:lstStyle/>
-          <a:p>
-            <a:pPr algn="ctr"/>
-            <a:endParaRPr lang="en-US"/>
-          </a:p>
-        </p:txBody>
-      </p:sp>
-      <p:pic>
-        <p:nvPicPr>
           <p:cNvPr id="4" name="Picture 3">
             <a:extLst>
               <a:ext uri="{FF2B5EF4-FFF2-40B4-BE49-F238E27FC236}">
@@ -4432,10 +4371,10 @@
       </p:grpSpPr>
       <p:sp>
         <p:nvSpPr>
-          <p:cNvPr id="28" name="Rectangle 27">
-            <a:extLst>
-              <a:ext uri="{FF2B5EF4-FFF2-40B4-BE49-F238E27FC236}">
-                <a16:creationId xmlns:a16="http://schemas.microsoft.com/office/drawing/2014/main" id="{57845966-6EFC-468A-9CC7-BAB4B95854E7}"/>
+          <p:cNvPr id="37" name="Freeform: Shape 36">
+            <a:extLst>
+              <a:ext uri="{FF2B5EF4-FFF2-40B4-BE49-F238E27FC236}">
+                <a16:creationId xmlns:a16="http://schemas.microsoft.com/office/drawing/2014/main" id="{B670DBD5-770C-4383-9F54-5B86E86BD5BB}"/>
               </a:ext>
               <a:ext uri="{C183D7F6-B498-43B3-948B-1728B52AA6E4}">
                 <adec:decorative xmlns:adec="http://schemas.microsoft.com/office/drawing/2017/decorative" val="1"/>
@@ -4455,14 +4394,116 @@
         </p:nvSpPr>
         <p:spPr>
           <a:xfrm>
-            <a:off x="1354372" y="0"/>
-            <a:ext cx="9483256" cy="6858000"/>
+            <a:off x="1210277" y="0"/>
+            <a:ext cx="9771446" cy="6858000"/>
           </a:xfrm>
-          <a:prstGeom prst="rect">
+          <a:custGeom>
             <a:avLst/>
-          </a:prstGeom>
+            <a:gdLst>
+              <a:gd name="connsiteX0" fmla="*/ 1422188 w 9771446"/>
+              <a:gd name="connsiteY0" fmla="*/ 0 h 6858000"/>
+              <a:gd name="connsiteX1" fmla="*/ 8349258 w 9771446"/>
+              <a:gd name="connsiteY1" fmla="*/ 0 h 6858000"/>
+              <a:gd name="connsiteX2" fmla="*/ 8502224 w 9771446"/>
+              <a:gd name="connsiteY2" fmla="*/ 159673 h 6858000"/>
+              <a:gd name="connsiteX3" fmla="*/ 9771446 w 9771446"/>
+              <a:gd name="connsiteY3" fmla="*/ 3429001 h 6858000"/>
+              <a:gd name="connsiteX4" fmla="*/ 8502224 w 9771446"/>
+              <a:gd name="connsiteY4" fmla="*/ 6698330 h 6858000"/>
+              <a:gd name="connsiteX5" fmla="*/ 8349260 w 9771446"/>
+              <a:gd name="connsiteY5" fmla="*/ 6858000 h 6858000"/>
+              <a:gd name="connsiteX6" fmla="*/ 1422186 w 9771446"/>
+              <a:gd name="connsiteY6" fmla="*/ 6858000 h 6858000"/>
+              <a:gd name="connsiteX7" fmla="*/ 1269223 w 9771446"/>
+              <a:gd name="connsiteY7" fmla="*/ 6698330 h 6858000"/>
+              <a:gd name="connsiteX8" fmla="*/ 0 w 9771446"/>
+              <a:gd name="connsiteY8" fmla="*/ 3429001 h 6858000"/>
+              <a:gd name="connsiteX9" fmla="*/ 1269223 w 9771446"/>
+              <a:gd name="connsiteY9" fmla="*/ 159673 h 6858000"/>
+            </a:gdLst>
+            <a:ahLst/>
+            <a:cxnLst>
+              <a:cxn ang="0">
+                <a:pos x="connsiteX0" y="connsiteY0"/>
+              </a:cxn>
+              <a:cxn ang="0">
+                <a:pos x="connsiteX1" y="connsiteY1"/>
+              </a:cxn>
+              <a:cxn ang="0">
+                <a:pos x="connsiteX2" y="connsiteY2"/>
+              </a:cxn>
+              <a:cxn ang="0">
+                <a:pos x="connsiteX3" y="connsiteY3"/>
+              </a:cxn>
+              <a:cxn ang="0">
+                <a:pos x="connsiteX4" y="connsiteY4"/>
+              </a:cxn>
+              <a:cxn ang="0">
+                <a:pos x="connsiteX5" y="connsiteY5"/>
+              </a:cxn>
+              <a:cxn ang="0">
+                <a:pos x="connsiteX6" y="connsiteY6"/>
+              </a:cxn>
+              <a:cxn ang="0">
+                <a:pos x="connsiteX7" y="connsiteY7"/>
+              </a:cxn>
+              <a:cxn ang="0">
+                <a:pos x="connsiteX8" y="connsiteY8"/>
+              </a:cxn>
+              <a:cxn ang="0">
+                <a:pos x="connsiteX9" y="connsiteY9"/>
+              </a:cxn>
+            </a:cxnLst>
+            <a:rect l="l" t="t" r="r" b="b"/>
+            <a:pathLst>
+              <a:path w="9771446" h="6858000">
+                <a:moveTo>
+                  <a:pt x="1422188" y="0"/>
+                </a:moveTo>
+                <a:lnTo>
+                  <a:pt x="8349258" y="0"/>
+                </a:lnTo>
+                <a:lnTo>
+                  <a:pt x="8502224" y="159673"/>
+                </a:lnTo>
+                <a:cubicBezTo>
+                  <a:pt x="9290813" y="1023162"/>
+                  <a:pt x="9771446" y="2170221"/>
+                  <a:pt x="9771446" y="3429001"/>
+                </a:cubicBezTo>
+                <a:cubicBezTo>
+                  <a:pt x="9771446" y="4687781"/>
+                  <a:pt x="9290813" y="5834840"/>
+                  <a:pt x="8502224" y="6698330"/>
+                </a:cubicBezTo>
+                <a:lnTo>
+                  <a:pt x="8349260" y="6858000"/>
+                </a:lnTo>
+                <a:lnTo>
+                  <a:pt x="1422186" y="6858000"/>
+                </a:lnTo>
+                <a:lnTo>
+                  <a:pt x="1269223" y="6698330"/>
+                </a:lnTo>
+                <a:cubicBezTo>
+                  <a:pt x="480633" y="5834840"/>
+                  <a:pt x="0" y="4687781"/>
+                  <a:pt x="0" y="3429001"/>
+                </a:cubicBezTo>
+                <a:cubicBezTo>
+                  <a:pt x="0" y="2170221"/>
+                  <a:pt x="480633" y="1023162"/>
+                  <a:pt x="1269223" y="159673"/>
+                </a:cubicBezTo>
+                <a:close/>
+              </a:path>
+            </a:pathLst>
+          </a:custGeom>
           <a:solidFill>
-            <a:srgbClr val="4F5E62"/>
+            <a:schemeClr val="bg1">
+              <a:lumMod val="85000"/>
+              <a:alpha val="62000"/>
+            </a:schemeClr>
           </a:solidFill>
           <a:ln>
             <a:noFill/>
@@ -4485,7 +4526,9 @@
           </a:fontRef>
         </p:style>
         <p:txBody>
-          <a:bodyPr rtlCol="0" anchor="ctr"/>
+          <a:bodyPr wrap="square" rtlCol="0" anchor="ctr">
+            <a:noAutofit/>
+          </a:bodyPr>
           <a:lstStyle/>
           <a:p>
             <a:pPr algn="ctr"/>
@@ -4495,100 +4538,51 @@
       </p:sp>
       <p:pic>
         <p:nvPicPr>
-          <p:cNvPr id="30" name="Picture 29">
-            <a:extLst>
-              <a:ext uri="{FF2B5EF4-FFF2-40B4-BE49-F238E27FC236}">
-                <a16:creationId xmlns:a16="http://schemas.microsoft.com/office/drawing/2014/main" id="{75554383-98AF-4A47-BB65-705FAAA4BE6A}"/>
-              </a:ext>
-              <a:ext uri="{C183D7F6-B498-43B3-948B-1728B52AA6E4}">
-                <adec:decorative xmlns:adec="http://schemas.microsoft.com/office/drawing/2017/decorative" val="1"/>
+          <p:cNvPr id="4" name="Picture 3">
+            <a:extLst>
+              <a:ext uri="{FF2B5EF4-FFF2-40B4-BE49-F238E27FC236}">
+                <a16:creationId xmlns:a16="http://schemas.microsoft.com/office/drawing/2014/main" id="{8FFD8DCF-F3F3-1249-B2BD-1B91A359EAE2}"/>
               </a:ext>
             </a:extLst>
           </p:cNvPr>
           <p:cNvPicPr>
-            <a:picLocks noGrp="1" noRot="1" noChangeAspect="1" noMove="1" noResize="1" noEditPoints="1" noAdjustHandles="1" noChangeArrowheads="1" noChangeShapeType="1" noCrop="1"/>
+            <a:picLocks noChangeAspect="1"/>
           </p:cNvPicPr>
-          <p:nvPr>
-            <p:extLst>
-              <p:ext uri="{386F3935-93C4-4BCD-93E2-E3B085C9AB24}">
-                <p16:designElem xmlns:p16="http://schemas.microsoft.com/office/powerpoint/2015/main" val="1"/>
-              </p:ext>
-            </p:extLst>
-          </p:nvPr>
+          <p:nvPr/>
         </p:nvPicPr>
-        <p:blipFill>
-          <a:blip r:embed="rId2">
-            <a:extLst>
-              <a:ext uri="{28A0092B-C50C-407E-A947-70E740481C1C}">
-                <a14:useLocalDpi xmlns:a14="http://schemas.microsoft.com/office/drawing/2010/main" val="0"/>
-              </a:ext>
-            </a:extLst>
-          </a:blip>
-          <a:stretch>
-            <a:fillRect/>
-          </a:stretch>
+        <p:blipFill rotWithShape="1">
+          <a:blip r:embed="rId2"/>
+          <a:srcRect t="4267" b="4263"/>
+          <a:stretch/>
         </p:blipFill>
         <p:spPr>
           <a:xfrm>
-            <a:off x="0" y="0"/>
-            <a:ext cx="12192000" cy="6858000"/>
-          </a:xfrm>
-          <a:prstGeom prst="rect">
-            <a:avLst/>
-          </a:prstGeom>
-        </p:spPr>
-      </p:pic>
-      <p:sp>
-        <p:nvSpPr>
-          <p:cNvPr id="32" name="Freeform: Shape 31">
-            <a:extLst>
-              <a:ext uri="{FF2B5EF4-FFF2-40B4-BE49-F238E27FC236}">
-                <a16:creationId xmlns:a16="http://schemas.microsoft.com/office/drawing/2014/main" id="{ADAD1991-FFD1-4E94-ABAB-7560D33008E4}"/>
-              </a:ext>
-              <a:ext uri="{C183D7F6-B498-43B3-948B-1728B52AA6E4}">
-                <adec:decorative xmlns:adec="http://schemas.microsoft.com/office/drawing/2017/decorative" val="1"/>
-              </a:ext>
-            </a:extLst>
-          </p:cNvPr>
-          <p:cNvSpPr>
-            <a:spLocks noGrp="1" noRot="1" noChangeAspect="1" noMove="1" noResize="1" noEditPoints="1" noAdjustHandles="1" noChangeArrowheads="1" noChangeShapeType="1" noTextEdit="1"/>
-          </p:cNvSpPr>
-          <p:nvPr>
-            <p:extLst>
-              <p:ext uri="{386F3935-93C4-4BCD-93E2-E3B085C9AB24}">
-                <p16:designElem xmlns:p16="http://schemas.microsoft.com/office/powerpoint/2015/main" val="1"/>
-              </p:ext>
-            </p:extLst>
-          </p:nvPr>
-        </p:nvSpPr>
-        <p:spPr>
-          <a:xfrm>
-            <a:off x="2144484" y="0"/>
-            <a:ext cx="7837716" cy="6858000"/>
+            <a:off x="1460597" y="10"/>
+            <a:ext cx="9270806" cy="6857990"/>
           </a:xfrm>
           <a:custGeom>
             <a:avLst/>
             <a:gdLst>
-              <a:gd name="connsiteX0" fmla="*/ 2232159 w 7837716"/>
+              <a:gd name="connsiteX0" fmla="*/ 1503712 w 9270806"/>
               <a:gd name="connsiteY0" fmla="*/ 0 h 6858000"/>
-              <a:gd name="connsiteX1" fmla="*/ 5605557 w 7837716"/>
+              <a:gd name="connsiteX1" fmla="*/ 7767094 w 9270806"/>
               <a:gd name="connsiteY1" fmla="*/ 0 h 6858000"/>
-              <a:gd name="connsiteX2" fmla="*/ 5617845 w 7837716"/>
-              <a:gd name="connsiteY2" fmla="*/ 5384 h 6858000"/>
-              <a:gd name="connsiteX3" fmla="*/ 7837716 w 7837716"/>
+              <a:gd name="connsiteX2" fmla="*/ 7913128 w 9270806"/>
+              <a:gd name="connsiteY2" fmla="*/ 139721 h 6858000"/>
+              <a:gd name="connsiteX3" fmla="*/ 9270806 w 9270806"/>
               <a:gd name="connsiteY3" fmla="*/ 3429000 h 6858000"/>
-              <a:gd name="connsiteX4" fmla="*/ 5617845 w 7837716"/>
-              <a:gd name="connsiteY4" fmla="*/ 6852616 h 6858000"/>
-              <a:gd name="connsiteX5" fmla="*/ 5605557 w 7837716"/>
+              <a:gd name="connsiteX4" fmla="*/ 7913128 w 9270806"/>
+              <a:gd name="connsiteY4" fmla="*/ 6718279 h 6858000"/>
+              <a:gd name="connsiteX5" fmla="*/ 7767094 w 9270806"/>
               <a:gd name="connsiteY5" fmla="*/ 6858000 h 6858000"/>
-              <a:gd name="connsiteX6" fmla="*/ 2232159 w 7837716"/>
+              <a:gd name="connsiteX6" fmla="*/ 1503712 w 9270806"/>
               <a:gd name="connsiteY6" fmla="*/ 6858000 h 6858000"/>
-              <a:gd name="connsiteX7" fmla="*/ 2219871 w 7837716"/>
-              <a:gd name="connsiteY7" fmla="*/ 6852616 h 6858000"/>
-              <a:gd name="connsiteX8" fmla="*/ 0 w 7837716"/>
+              <a:gd name="connsiteX7" fmla="*/ 1357679 w 9270806"/>
+              <a:gd name="connsiteY7" fmla="*/ 6718279 h 6858000"/>
+              <a:gd name="connsiteX8" fmla="*/ 0 w 9270806"/>
               <a:gd name="connsiteY8" fmla="*/ 3429000 h 6858000"/>
-              <a:gd name="connsiteX9" fmla="*/ 2219871 w 7837716"/>
-              <a:gd name="connsiteY9" fmla="*/ 5384 h 6858000"/>
+              <a:gd name="connsiteX9" fmla="*/ 1357679 w 9270806"/>
+              <a:gd name="connsiteY9" fmla="*/ 139721 h 6858000"/>
             </a:gdLst>
             <a:ahLst/>
             <a:cxnLst>
@@ -4625,137 +4619,49 @@
             </a:cxnLst>
             <a:rect l="l" t="t" r="r" b="b"/>
             <a:pathLst>
-              <a:path w="7837716" h="6858000">
+              <a:path w="9270806" h="6858000">
                 <a:moveTo>
-                  <a:pt x="2232159" y="0"/>
+                  <a:pt x="1503712" y="0"/>
                 </a:moveTo>
                 <a:lnTo>
-                  <a:pt x="5605557" y="0"/>
+                  <a:pt x="7767094" y="0"/>
                 </a:lnTo>
                 <a:lnTo>
-                  <a:pt x="5617845" y="5384"/>
+                  <a:pt x="7913128" y="139721"/>
                 </a:lnTo>
                 <a:cubicBezTo>
-                  <a:pt x="6931322" y="618789"/>
-                  <a:pt x="7837716" y="1921305"/>
-                  <a:pt x="7837716" y="3429000"/>
+                  <a:pt x="8751971" y="981521"/>
+                  <a:pt x="9270806" y="2144457"/>
+                  <a:pt x="9270806" y="3429000"/>
                 </a:cubicBezTo>
                 <a:cubicBezTo>
-                  <a:pt x="7837716" y="4936696"/>
-                  <a:pt x="6931322" y="6239212"/>
-                  <a:pt x="5617845" y="6852616"/>
+                  <a:pt x="9270806" y="4713544"/>
+                  <a:pt x="8751971" y="5876479"/>
+                  <a:pt x="7913128" y="6718279"/>
                 </a:cubicBezTo>
                 <a:lnTo>
-                  <a:pt x="5605557" y="6858000"/>
+                  <a:pt x="7767094" y="6858000"/>
                 </a:lnTo>
                 <a:lnTo>
-                  <a:pt x="2232159" y="6858000"/>
+                  <a:pt x="1503712" y="6858000"/>
                 </a:lnTo>
                 <a:lnTo>
-                  <a:pt x="2219871" y="6852616"/>
+                  <a:pt x="1357679" y="6718279"/>
                 </a:lnTo>
                 <a:cubicBezTo>
-                  <a:pt x="906394" y="6239212"/>
-                  <a:pt x="0" y="4936696"/>
+                  <a:pt x="518835" y="5876479"/>
+                  <a:pt x="0" y="4713544"/>
                   <a:pt x="0" y="3429000"/>
                 </a:cubicBezTo>
                 <a:cubicBezTo>
-                  <a:pt x="0" y="1921305"/>
-                  <a:pt x="906394" y="618789"/>
-                  <a:pt x="2219871" y="5384"/>
+                  <a:pt x="0" y="2144457"/>
+                  <a:pt x="518835" y="981521"/>
+                  <a:pt x="1357679" y="139721"/>
                 </a:cubicBezTo>
                 <a:close/>
               </a:path>
             </a:pathLst>
           </a:custGeom>
-          <a:solidFill>
-            <a:schemeClr val="bg1"/>
-          </a:solidFill>
-          <a:ln>
-            <a:gradFill>
-              <a:gsLst>
-                <a:gs pos="0">
-                  <a:schemeClr val="accent1">
-                    <a:lumMod val="40000"/>
-                    <a:lumOff val="60000"/>
-                  </a:schemeClr>
-                </a:gs>
-                <a:gs pos="23000">
-                  <a:schemeClr val="accent1">
-                    <a:lumMod val="45000"/>
-                    <a:lumOff val="55000"/>
-                  </a:schemeClr>
-                </a:gs>
-                <a:gs pos="83000">
-                  <a:schemeClr val="bg2">
-                    <a:lumMod val="82000"/>
-                  </a:schemeClr>
-                </a:gs>
-                <a:gs pos="100000">
-                  <a:schemeClr val="bg2">
-                    <a:lumMod val="87000"/>
-                  </a:schemeClr>
-                </a:gs>
-              </a:gsLst>
-              <a:lin ang="5400000" scaled="1"/>
-            </a:gradFill>
-          </a:ln>
-        </p:spPr>
-        <p:style>
-          <a:lnRef idx="2">
-            <a:schemeClr val="accent1">
-              <a:shade val="50000"/>
-            </a:schemeClr>
-          </a:lnRef>
-          <a:fillRef idx="1">
-            <a:schemeClr val="accent1"/>
-          </a:fillRef>
-          <a:effectRef idx="0">
-            <a:schemeClr val="accent1"/>
-          </a:effectRef>
-          <a:fontRef idx="minor">
-            <a:schemeClr val="lt1"/>
-          </a:fontRef>
-        </p:style>
-        <p:txBody>
-          <a:bodyPr wrap="square" rtlCol="0" anchor="ctr">
-            <a:noAutofit/>
-          </a:bodyPr>
-          <a:lstStyle/>
-          <a:p>
-            <a:pPr algn="ctr"/>
-            <a:endParaRPr lang="en-US"/>
-          </a:p>
-        </p:txBody>
-      </p:sp>
-      <p:pic>
-        <p:nvPicPr>
-          <p:cNvPr id="4" name="Picture 3">
-            <a:extLst>
-              <a:ext uri="{FF2B5EF4-FFF2-40B4-BE49-F238E27FC236}">
-                <a16:creationId xmlns:a16="http://schemas.microsoft.com/office/drawing/2014/main" id="{8FFD8DCF-F3F3-1249-B2BD-1B91A359EAE2}"/>
-              </a:ext>
-            </a:extLst>
-          </p:cNvPr>
-          <p:cNvPicPr>
-            <a:picLocks noChangeAspect="1"/>
-          </p:cNvPicPr>
-          <p:nvPr/>
-        </p:nvPicPr>
-        <p:blipFill>
-          <a:blip r:embed="rId3"/>
-          <a:stretch>
-            <a:fillRect/>
-          </a:stretch>
-        </p:blipFill>
-        <p:spPr>
-          <a:xfrm>
-            <a:off x="3236181" y="1242018"/>
-            <a:ext cx="5462546" cy="4417696"/>
-          </a:xfrm>
-          <a:prstGeom prst="rect">
-            <a:avLst/>
-          </a:prstGeom>
         </p:spPr>
       </p:pic>
     </p:spTree>
